--- a/Projects/Final/CSCI560_FinalExamPresentation_IssaKaradsheh(0753122).pptx
+++ b/Projects/Final/CSCI560_FinalExamPresentation_IssaKaradsheh(0753122).pptx
@@ -5,7 +5,7 @@
     <p:sldMasterId id="2147483696" r:id="rId1"/>
   </p:sldMasterIdLst>
   <p:notesMasterIdLst>
-    <p:notesMasterId r:id="rId21"/>
+    <p:notesMasterId r:id="rId20"/>
   </p:notesMasterIdLst>
   <p:sldIdLst>
     <p:sldId id="256" r:id="rId2"/>
@@ -22,11 +22,10 @@
     <p:sldId id="267" r:id="rId13"/>
     <p:sldId id="268" r:id="rId14"/>
     <p:sldId id="269" r:id="rId15"/>
-    <p:sldId id="270" r:id="rId16"/>
-    <p:sldId id="271" r:id="rId17"/>
-    <p:sldId id="274" r:id="rId18"/>
-    <p:sldId id="276" r:id="rId19"/>
-    <p:sldId id="275" r:id="rId20"/>
+    <p:sldId id="271" r:id="rId16"/>
+    <p:sldId id="274" r:id="rId17"/>
+    <p:sldId id="276" r:id="rId18"/>
+    <p:sldId id="275" r:id="rId19"/>
   </p:sldIdLst>
   <p:sldSz cx="12192000" cy="6858000"/>
   <p:notesSz cx="6858000" cy="9144000"/>
@@ -4525,155 +4524,6 @@
           <p:cNvPr id="2" name="Title 1">
             <a:extLst>
               <a:ext uri="{FF2B5EF4-FFF2-40B4-BE49-F238E27FC236}">
-                <a16:creationId xmlns:a16="http://schemas.microsoft.com/office/drawing/2014/main" id="{CA9DCAE3-4380-CF43-AC2A-5160FC4C82A8}"/>
-              </a:ext>
-            </a:extLst>
-          </p:cNvPr>
-          <p:cNvSpPr>
-            <a:spLocks noGrp="1"/>
-          </p:cNvSpPr>
-          <p:nvPr>
-            <p:ph type="title"/>
-          </p:nvPr>
-        </p:nvSpPr>
-        <p:spPr/>
-        <p:txBody>
-          <a:bodyPr>
-            <a:normAutofit/>
-          </a:bodyPr>
-          <a:lstStyle/>
-          <a:p>
-            <a:r>
-              <a:rPr lang="en-US" dirty="0"/>
-              <a:t>Copyrights and Patents Are Rendered Irrelevant</a:t>
-            </a:r>
-          </a:p>
-        </p:txBody>
-      </p:sp>
-      <p:sp>
-        <p:nvSpPr>
-          <p:cNvPr id="3" name="Content Placeholder 2">
-            <a:extLst>
-              <a:ext uri="{FF2B5EF4-FFF2-40B4-BE49-F238E27FC236}">
-                <a16:creationId xmlns:a16="http://schemas.microsoft.com/office/drawing/2014/main" id="{B8AF1B24-8760-A04F-AA02-55FFFE47BA72}"/>
-              </a:ext>
-            </a:extLst>
-          </p:cNvPr>
-          <p:cNvSpPr>
-            <a:spLocks noGrp="1"/>
-          </p:cNvSpPr>
-          <p:nvPr>
-            <p:ph sz="half" idx="1"/>
-          </p:nvPr>
-        </p:nvSpPr>
-        <p:spPr/>
-        <p:txBody>
-          <a:bodyPr/>
-          <a:lstStyle/>
-          <a:p>
-            <a:r>
-              <a:rPr lang="en-US" dirty="0"/>
-              <a:t>Obtaining patents becomes extremely challenging.</a:t>
-            </a:r>
-          </a:p>
-          <a:p>
-            <a:r>
-              <a:rPr lang="en-US" dirty="0"/>
-              <a:t>It takes an excruciatingly long amount of time to verify the uniqueness of the patent.</a:t>
-            </a:r>
-          </a:p>
-          <a:p>
-            <a:r>
-              <a:rPr lang="en-US" dirty="0"/>
-              <a:t>Big data makes the manipulation of data highly possible, which also sends the royalties associated with the invention of something original, breaking apart.</a:t>
-            </a:r>
-          </a:p>
-        </p:txBody>
-      </p:sp>
-      <p:pic>
-        <p:nvPicPr>
-          <p:cNvPr id="4098" name="Picture 2" descr="Copyright – Intellectual Property Office">
-            <a:extLst>
-              <a:ext uri="{FF2B5EF4-FFF2-40B4-BE49-F238E27FC236}">
-                <a16:creationId xmlns:a16="http://schemas.microsoft.com/office/drawing/2014/main" id="{0F49709A-B260-A040-ACA0-E0547730638A}"/>
-              </a:ext>
-            </a:extLst>
-          </p:cNvPr>
-          <p:cNvPicPr>
-            <a:picLocks noGrp="1" noChangeAspect="1" noChangeArrowheads="1"/>
-          </p:cNvPicPr>
-          <p:nvPr>
-            <p:ph sz="half" idx="2"/>
-          </p:nvPr>
-        </p:nvPicPr>
-        <p:blipFill>
-          <a:blip r:embed="rId2">
-            <a:extLst>
-              <a:ext uri="{28A0092B-C50C-407E-A947-70E740481C1C}">
-                <a14:useLocalDpi xmlns:a14="http://schemas.microsoft.com/office/drawing/2010/main" val="0"/>
-              </a:ext>
-            </a:extLst>
-          </a:blip>
-          <a:srcRect/>
-          <a:stretch>
-            <a:fillRect/>
-          </a:stretch>
-        </p:blipFill>
-        <p:spPr bwMode="auto">
-          <a:xfrm>
-            <a:off x="6562725" y="3128962"/>
-            <a:ext cx="3822700" cy="2120900"/>
-          </a:xfrm>
-          <a:prstGeom prst="rect">
-            <a:avLst/>
-          </a:prstGeom>
-          <a:noFill/>
-          <a:extLst>
-            <a:ext uri="{909E8E84-426E-40DD-AFC4-6F175D3DCCD1}">
-              <a14:hiddenFill xmlns:a14="http://schemas.microsoft.com/office/drawing/2010/main">
-                <a:solidFill>
-                  <a:srgbClr val="FFFFFF"/>
-                </a:solidFill>
-              </a14:hiddenFill>
-            </a:ext>
-          </a:extLst>
-        </p:spPr>
-      </p:pic>
-    </p:spTree>
-    <p:extLst>
-      <p:ext uri="{BB962C8B-B14F-4D97-AF65-F5344CB8AC3E}">
-        <p14:creationId xmlns:p14="http://schemas.microsoft.com/office/powerpoint/2010/main" val="234490412"/>
-      </p:ext>
-    </p:extLst>
-  </p:cSld>
-  <p:clrMapOvr>
-    <a:masterClrMapping/>
-  </p:clrMapOvr>
-</p:sld>
-</file>
-
-<file path=ppt/slides/slide16.xml><?xml version="1.0" encoding="utf-8"?>
-<p:sld xmlns:a="http://schemas.openxmlformats.org/drawingml/2006/main" xmlns:r="http://schemas.openxmlformats.org/officeDocument/2006/relationships" xmlns:p="http://schemas.openxmlformats.org/presentationml/2006/main">
-  <p:cSld>
-    <p:spTree>
-      <p:nvGrpSpPr>
-        <p:cNvPr id="1" name=""/>
-        <p:cNvGrpSpPr/>
-        <p:nvPr/>
-      </p:nvGrpSpPr>
-      <p:grpSpPr>
-        <a:xfrm>
-          <a:off x="0" y="0"/>
-          <a:ext cx="0" cy="0"/>
-          <a:chOff x="0" y="0"/>
-          <a:chExt cx="0" cy="0"/>
-        </a:xfrm>
-      </p:grpSpPr>
-      <p:sp>
-        <p:nvSpPr>
-          <p:cNvPr id="2" name="Title 1">
-            <a:extLst>
-              <a:ext uri="{FF2B5EF4-FFF2-40B4-BE49-F238E27FC236}">
                 <a16:creationId xmlns:a16="http://schemas.microsoft.com/office/drawing/2014/main" id="{79CCDA13-6347-F946-8FA6-73266E301EBC}"/>
               </a:ext>
             </a:extLst>
@@ -4793,7 +4643,7 @@
 </p:sld>
 </file>
 
-<file path=ppt/slides/slide17.xml><?xml version="1.0" encoding="utf-8"?>
+<file path=ppt/slides/slide16.xml><?xml version="1.0" encoding="utf-8"?>
 <p:sld xmlns:a="http://schemas.openxmlformats.org/drawingml/2006/main" xmlns:r="http://schemas.openxmlformats.org/officeDocument/2006/relationships" xmlns:p="http://schemas.openxmlformats.org/presentationml/2006/main">
   <p:cSld>
     <p:spTree>
@@ -4891,7 +4741,7 @@
 </p:sld>
 </file>
 
-<file path=ppt/slides/slide18.xml><?xml version="1.0" encoding="utf-8"?>
+<file path=ppt/slides/slide17.xml><?xml version="1.0" encoding="utf-8"?>
 <p:sld xmlns:a="http://schemas.openxmlformats.org/drawingml/2006/main" xmlns:r="http://schemas.openxmlformats.org/officeDocument/2006/relationships" xmlns:p="http://schemas.openxmlformats.org/presentationml/2006/main">
   <p:cSld>
     <p:spTree>
@@ -4981,7 +4831,7 @@
 </p:sld>
 </file>
 
-<file path=ppt/slides/slide19.xml><?xml version="1.0" encoding="utf-8"?>
+<file path=ppt/slides/slide18.xml><?xml version="1.0" encoding="utf-8"?>
 <p:sld xmlns:a="http://schemas.openxmlformats.org/drawingml/2006/main" xmlns:r="http://schemas.openxmlformats.org/officeDocument/2006/relationships" xmlns:p="http://schemas.openxmlformats.org/presentationml/2006/main">
   <p:cSld>
     <p:spTree>
